--- a/resources/hw/genomic-data-visualization-HW_EC1.pptx
+++ b/resources/hw/genomic-data-visualization-HW_EC1.pptx
@@ -262,7 +262,7 @@
           <a:p>
             <a:fld id="{07F64382-535C-B245-BAEA-413BF007FFEF}" type="datetimeFigureOut">
               <a:rPr lang="en-US" smtClean="0"/>
-              <a:t>2/18/25</a:t>
+              <a:t>2/8/26</a:t>
             </a:fld>
             <a:endParaRPr lang="en-US"/>
           </a:p>
@@ -460,7 +460,7 @@
           <a:p>
             <a:fld id="{07F64382-535C-B245-BAEA-413BF007FFEF}" type="datetimeFigureOut">
               <a:rPr lang="en-US" smtClean="0"/>
-              <a:t>2/18/25</a:t>
+              <a:t>2/8/26</a:t>
             </a:fld>
             <a:endParaRPr lang="en-US"/>
           </a:p>
@@ -668,7 +668,7 @@
           <a:p>
             <a:fld id="{07F64382-535C-B245-BAEA-413BF007FFEF}" type="datetimeFigureOut">
               <a:rPr lang="en-US" smtClean="0"/>
-              <a:t>2/18/25</a:t>
+              <a:t>2/8/26</a:t>
             </a:fld>
             <a:endParaRPr lang="en-US"/>
           </a:p>
@@ -866,7 +866,7 @@
           <a:p>
             <a:fld id="{07F64382-535C-B245-BAEA-413BF007FFEF}" type="datetimeFigureOut">
               <a:rPr lang="en-US" smtClean="0"/>
-              <a:t>2/18/25</a:t>
+              <a:t>2/8/26</a:t>
             </a:fld>
             <a:endParaRPr lang="en-US"/>
           </a:p>
@@ -1141,7 +1141,7 @@
           <a:p>
             <a:fld id="{07F64382-535C-B245-BAEA-413BF007FFEF}" type="datetimeFigureOut">
               <a:rPr lang="en-US" smtClean="0"/>
-              <a:t>2/18/25</a:t>
+              <a:t>2/8/26</a:t>
             </a:fld>
             <a:endParaRPr lang="en-US"/>
           </a:p>
@@ -1406,7 +1406,7 @@
           <a:p>
             <a:fld id="{07F64382-535C-B245-BAEA-413BF007FFEF}" type="datetimeFigureOut">
               <a:rPr lang="en-US" smtClean="0"/>
-              <a:t>2/18/25</a:t>
+              <a:t>2/8/26</a:t>
             </a:fld>
             <a:endParaRPr lang="en-US"/>
           </a:p>
@@ -1818,7 +1818,7 @@
           <a:p>
             <a:fld id="{07F64382-535C-B245-BAEA-413BF007FFEF}" type="datetimeFigureOut">
               <a:rPr lang="en-US" smtClean="0"/>
-              <a:t>2/18/25</a:t>
+              <a:t>2/8/26</a:t>
             </a:fld>
             <a:endParaRPr lang="en-US"/>
           </a:p>
@@ -1959,7 +1959,7 @@
           <a:p>
             <a:fld id="{07F64382-535C-B245-BAEA-413BF007FFEF}" type="datetimeFigureOut">
               <a:rPr lang="en-US" smtClean="0"/>
-              <a:t>2/18/25</a:t>
+              <a:t>2/8/26</a:t>
             </a:fld>
             <a:endParaRPr lang="en-US"/>
           </a:p>
@@ -2072,7 +2072,7 @@
           <a:p>
             <a:fld id="{07F64382-535C-B245-BAEA-413BF007FFEF}" type="datetimeFigureOut">
               <a:rPr lang="en-US" smtClean="0"/>
-              <a:t>2/18/25</a:t>
+              <a:t>2/8/26</a:t>
             </a:fld>
             <a:endParaRPr lang="en-US"/>
           </a:p>
@@ -2383,7 +2383,7 @@
           <a:p>
             <a:fld id="{07F64382-535C-B245-BAEA-413BF007FFEF}" type="datetimeFigureOut">
               <a:rPr lang="en-US" smtClean="0"/>
-              <a:t>2/18/25</a:t>
+              <a:t>2/8/26</a:t>
             </a:fld>
             <a:endParaRPr lang="en-US"/>
           </a:p>
@@ -2671,7 +2671,7 @@
           <a:p>
             <a:fld id="{07F64382-535C-B245-BAEA-413BF007FFEF}" type="datetimeFigureOut">
               <a:rPr lang="en-US" smtClean="0"/>
-              <a:t>2/18/25</a:t>
+              <a:t>2/8/26</a:t>
             </a:fld>
             <a:endParaRPr lang="en-US"/>
           </a:p>
@@ -2912,7 +2912,7 @@
           <a:p>
             <a:fld id="{07F64382-535C-B245-BAEA-413BF007FFEF}" type="datetimeFigureOut">
               <a:rPr lang="en-US" smtClean="0"/>
-              <a:t>2/18/25</a:t>
+              <a:t>2/8/26</a:t>
             </a:fld>
             <a:endParaRPr lang="en-US"/>
           </a:p>
@@ -3387,7 +3387,7 @@
           <a:p>
             <a:r>
               <a:rPr lang="en-US" dirty="0"/>
-              <a:t>Due 3/7 (Midnight Baltimore Time) or earlier</a:t>
+              <a:t>Due 3/2 (Midnight Baltimore Time) or earlier</a:t>
             </a:r>
           </a:p>
         </p:txBody>
